--- a/Requirement List.pptx
+++ b/Requirement List.pptx
@@ -266,7 +266,7 @@
           <a:p>
             <a:fld id="{6E115D2A-B720-DA4C-BD7C-758C4A1989AB}" type="datetimeFigureOut">
               <a:rPr kumimoji="1" lang="ko-Kore-KR" altLang="en-US" smtClean="0"/>
-              <a:t>2022. 4. 30.</a:t>
+              <a:t>2022. 5. 2.</a:t>
             </a:fld>
             <a:endParaRPr kumimoji="1" lang="ko-Kore-KR" altLang="en-US"/>
           </a:p>
@@ -466,7 +466,7 @@
           <a:p>
             <a:fld id="{6E115D2A-B720-DA4C-BD7C-758C4A1989AB}" type="datetimeFigureOut">
               <a:rPr kumimoji="1" lang="ko-Kore-KR" altLang="en-US" smtClean="0"/>
-              <a:t>2022. 4. 30.</a:t>
+              <a:t>2022. 5. 2.</a:t>
             </a:fld>
             <a:endParaRPr kumimoji="1" lang="ko-Kore-KR" altLang="en-US"/>
           </a:p>
@@ -676,7 +676,7 @@
           <a:p>
             <a:fld id="{6E115D2A-B720-DA4C-BD7C-758C4A1989AB}" type="datetimeFigureOut">
               <a:rPr kumimoji="1" lang="ko-Kore-KR" altLang="en-US" smtClean="0"/>
-              <a:t>2022. 4. 30.</a:t>
+              <a:t>2022. 5. 2.</a:t>
             </a:fld>
             <a:endParaRPr kumimoji="1" lang="ko-Kore-KR" altLang="en-US"/>
           </a:p>
@@ -876,7 +876,7 @@
           <a:p>
             <a:fld id="{6E115D2A-B720-DA4C-BD7C-758C4A1989AB}" type="datetimeFigureOut">
               <a:rPr kumimoji="1" lang="ko-Kore-KR" altLang="en-US" smtClean="0"/>
-              <a:t>2022. 4. 30.</a:t>
+              <a:t>2022. 5. 2.</a:t>
             </a:fld>
             <a:endParaRPr kumimoji="1" lang="ko-Kore-KR" altLang="en-US"/>
           </a:p>
@@ -1152,7 +1152,7 @@
           <a:p>
             <a:fld id="{6E115D2A-B720-DA4C-BD7C-758C4A1989AB}" type="datetimeFigureOut">
               <a:rPr kumimoji="1" lang="ko-Kore-KR" altLang="en-US" smtClean="0"/>
-              <a:t>2022. 4. 30.</a:t>
+              <a:t>2022. 5. 2.</a:t>
             </a:fld>
             <a:endParaRPr kumimoji="1" lang="ko-Kore-KR" altLang="en-US"/>
           </a:p>
@@ -1420,7 +1420,7 @@
           <a:p>
             <a:fld id="{6E115D2A-B720-DA4C-BD7C-758C4A1989AB}" type="datetimeFigureOut">
               <a:rPr kumimoji="1" lang="ko-Kore-KR" altLang="en-US" smtClean="0"/>
-              <a:t>2022. 4. 30.</a:t>
+              <a:t>2022. 5. 2.</a:t>
             </a:fld>
             <a:endParaRPr kumimoji="1" lang="ko-Kore-KR" altLang="en-US"/>
           </a:p>
@@ -1835,7 +1835,7 @@
           <a:p>
             <a:fld id="{6E115D2A-B720-DA4C-BD7C-758C4A1989AB}" type="datetimeFigureOut">
               <a:rPr kumimoji="1" lang="ko-Kore-KR" altLang="en-US" smtClean="0"/>
-              <a:t>2022. 4. 30.</a:t>
+              <a:t>2022. 5. 2.</a:t>
             </a:fld>
             <a:endParaRPr kumimoji="1" lang="ko-Kore-KR" altLang="en-US"/>
           </a:p>
@@ -1977,7 +1977,7 @@
           <a:p>
             <a:fld id="{6E115D2A-B720-DA4C-BD7C-758C4A1989AB}" type="datetimeFigureOut">
               <a:rPr kumimoji="1" lang="ko-Kore-KR" altLang="en-US" smtClean="0"/>
-              <a:t>2022. 4. 30.</a:t>
+              <a:t>2022. 5. 2.</a:t>
             </a:fld>
             <a:endParaRPr kumimoji="1" lang="ko-Kore-KR" altLang="en-US"/>
           </a:p>
@@ -2090,7 +2090,7 @@
           <a:p>
             <a:fld id="{6E115D2A-B720-DA4C-BD7C-758C4A1989AB}" type="datetimeFigureOut">
               <a:rPr kumimoji="1" lang="ko-Kore-KR" altLang="en-US" smtClean="0"/>
-              <a:t>2022. 4. 30.</a:t>
+              <a:t>2022. 5. 2.</a:t>
             </a:fld>
             <a:endParaRPr kumimoji="1" lang="ko-Kore-KR" altLang="en-US"/>
           </a:p>
@@ -2403,7 +2403,7 @@
           <a:p>
             <a:fld id="{6E115D2A-B720-DA4C-BD7C-758C4A1989AB}" type="datetimeFigureOut">
               <a:rPr kumimoji="1" lang="ko-Kore-KR" altLang="en-US" smtClean="0"/>
-              <a:t>2022. 4. 30.</a:t>
+              <a:t>2022. 5. 2.</a:t>
             </a:fld>
             <a:endParaRPr kumimoji="1" lang="ko-Kore-KR" altLang="en-US"/>
           </a:p>
@@ -2692,7 +2692,7 @@
           <a:p>
             <a:fld id="{6E115D2A-B720-DA4C-BD7C-758C4A1989AB}" type="datetimeFigureOut">
               <a:rPr kumimoji="1" lang="ko-Kore-KR" altLang="en-US" smtClean="0"/>
-              <a:t>2022. 4. 30.</a:t>
+              <a:t>2022. 5. 2.</a:t>
             </a:fld>
             <a:endParaRPr kumimoji="1" lang="ko-Kore-KR" altLang="en-US"/>
           </a:p>
@@ -2935,7 +2935,7 @@
           <a:p>
             <a:fld id="{6E115D2A-B720-DA4C-BD7C-758C4A1989AB}" type="datetimeFigureOut">
               <a:rPr kumimoji="1" lang="ko-Kore-KR" altLang="en-US" smtClean="0"/>
-              <a:t>2022. 4. 30.</a:t>
+              <a:t>2022. 5. 2.</a:t>
             </a:fld>
             <a:endParaRPr kumimoji="1" lang="ko-Kore-KR" altLang="en-US"/>
           </a:p>
@@ -8086,14 +8086,14 @@
           <p:nvPr>
             <p:extLst>
               <p:ext uri="{D42A27DB-BD31-4B8C-83A1-F6EECF244321}">
-                <p14:modId xmlns:p14="http://schemas.microsoft.com/office/powerpoint/2010/main" val="2942784901"/>
+                <p14:modId xmlns:p14="http://schemas.microsoft.com/office/powerpoint/2010/main" val="3175636609"/>
               </p:ext>
             </p:extLst>
           </p:nvPr>
         </p:nvGraphicFramePr>
         <p:xfrm>
           <a:off x="881063" y="871537"/>
-          <a:ext cx="10499510" cy="5675336"/>
+          <a:ext cx="10499510" cy="5679459"/>
         </p:xfrm>
         <a:graphic>
           <a:graphicData uri="http://schemas.openxmlformats.org/drawingml/2006/table">
@@ -8166,7 +8166,7 @@
                   </a:ext>
                 </a:extLst>
               </a:tr>
-              <a:tr h="528317">
+              <a:tr h="532440">
                 <a:tc>
                   <a:txBody>
                     <a:bodyPr/>
@@ -8239,10 +8239,6 @@
                     <a:bodyPr/>
                     <a:lstStyle/>
                     <a:p>
-                      <a:r>
-                        <a:rPr lang="en-US" altLang="ko-Kore-KR" dirty="0"/>
-                        <a:t>2</a:t>
-                      </a:r>
                       <a:endParaRPr lang="ko-Kore-KR" altLang="en-US" dirty="0"/>
                     </a:p>
                   </a:txBody>
@@ -8280,38 +8276,6 @@
                         <a:tabLst/>
                         <a:defRPr/>
                       </a:pPr>
-                      <a:r>
-                        <a:rPr lang="ko-Kore-KR" altLang="en-US" dirty="0"/>
-                        <a:t>결제 시 구매자의 결제 정보</a:t>
-                      </a:r>
-                      <a:r>
-                        <a:rPr lang="en-US" altLang="ko-Kore-KR" dirty="0"/>
-                        <a:t>(</a:t>
-                      </a:r>
-                      <a:r>
-                        <a:rPr lang="ko-Kore-KR" altLang="en-US" dirty="0"/>
-                        <a:t>신용카드 번호</a:t>
-                      </a:r>
-                      <a:r>
-                        <a:rPr lang="en-US" altLang="ko-Kore-KR" dirty="0"/>
-                        <a:t>,</a:t>
-                      </a:r>
-                      <a:r>
-                        <a:rPr lang="ko-Kore-KR" altLang="en-US" dirty="0"/>
-                        <a:t> 휴대폰 인증 등</a:t>
-                      </a:r>
-                      <a:r>
-                        <a:rPr lang="en-US" altLang="ko-Kore-KR" dirty="0"/>
-                        <a:t>)</a:t>
-                      </a:r>
-                      <a:r>
-                        <a:rPr lang="ko-Kore-KR" altLang="en-US" dirty="0"/>
-                        <a:t>가 노출되지 않게 한다</a:t>
-                      </a:r>
-                      <a:r>
-                        <a:rPr lang="en-US" altLang="ko-Kore-KR"/>
-                        <a:t>.</a:t>
-                      </a:r>
                       <a:endParaRPr lang="ko-Kore-KR" altLang="en-US" dirty="0"/>
                     </a:p>
                   </a:txBody>

--- a/Requirement List.pptx
+++ b/Requirement List.pptx
@@ -4340,7 +4340,7 @@
           <p:nvPr>
             <p:extLst>
               <p:ext uri="{D42A27DB-BD31-4B8C-83A1-F6EECF244321}">
-                <p14:modId xmlns:p14="http://schemas.microsoft.com/office/powerpoint/2010/main" val="208170841"/>
+                <p14:modId xmlns:p14="http://schemas.microsoft.com/office/powerpoint/2010/main" val="4145228725"/>
               </p:ext>
             </p:extLst>
           </p:nvPr>
@@ -4773,7 +4773,11 @@
                       </a:r>
                       <a:r>
                         <a:rPr lang="ko-KR" altLang="en-US" sz="1500" dirty="0"/>
-                        <a:t> 상세정보 출력</a:t>
+                        <a:t> </a:t>
+                      </a:r>
+                      <a:r>
+                        <a:rPr lang="ko-KR" altLang="en-US" sz="1500"/>
+                        <a:t>상세정보 조회</a:t>
                       </a:r>
                       <a:endParaRPr lang="ko-Kore-KR" altLang="en-US" sz="1500" dirty="0"/>
                     </a:p>

--- a/Requirement List.pptx
+++ b/Requirement List.pptx
@@ -198,7 +198,7 @@
           <a:p>
             <a:fld id="{8502C326-3172-694F-8729-40B8C9530334}" type="datetimeFigureOut">
               <a:rPr kumimoji="1" lang="ko-Kore-KR" altLang="en-US" smtClean="0"/>
-              <a:t>2022. 5. 11.</a:t>
+              <a:t>2022. 5. 14.</a:t>
             </a:fld>
             <a:endParaRPr kumimoji="1" lang="ko-Kore-KR" altLang="en-US"/>
           </a:p>
@@ -699,7 +699,7 @@
           <a:p>
             <a:fld id="{6E115D2A-B720-DA4C-BD7C-758C4A1989AB}" type="datetimeFigureOut">
               <a:rPr kumimoji="1" lang="ko-Kore-KR" altLang="en-US" smtClean="0"/>
-              <a:t>2022. 5. 11.</a:t>
+              <a:t>2022. 5. 14.</a:t>
             </a:fld>
             <a:endParaRPr kumimoji="1" lang="ko-Kore-KR" altLang="en-US"/>
           </a:p>
@@ -899,7 +899,7 @@
           <a:p>
             <a:fld id="{6E115D2A-B720-DA4C-BD7C-758C4A1989AB}" type="datetimeFigureOut">
               <a:rPr kumimoji="1" lang="ko-Kore-KR" altLang="en-US" smtClean="0"/>
-              <a:t>2022. 5. 11.</a:t>
+              <a:t>2022. 5. 14.</a:t>
             </a:fld>
             <a:endParaRPr kumimoji="1" lang="ko-Kore-KR" altLang="en-US"/>
           </a:p>
@@ -1109,7 +1109,7 @@
           <a:p>
             <a:fld id="{6E115D2A-B720-DA4C-BD7C-758C4A1989AB}" type="datetimeFigureOut">
               <a:rPr kumimoji="1" lang="ko-Kore-KR" altLang="en-US" smtClean="0"/>
-              <a:t>2022. 5. 11.</a:t>
+              <a:t>2022. 5. 14.</a:t>
             </a:fld>
             <a:endParaRPr kumimoji="1" lang="ko-Kore-KR" altLang="en-US"/>
           </a:p>
@@ -1309,7 +1309,7 @@
           <a:p>
             <a:fld id="{6E115D2A-B720-DA4C-BD7C-758C4A1989AB}" type="datetimeFigureOut">
               <a:rPr kumimoji="1" lang="ko-Kore-KR" altLang="en-US" smtClean="0"/>
-              <a:t>2022. 5. 11.</a:t>
+              <a:t>2022. 5. 14.</a:t>
             </a:fld>
             <a:endParaRPr kumimoji="1" lang="ko-Kore-KR" altLang="en-US"/>
           </a:p>
@@ -1585,7 +1585,7 @@
           <a:p>
             <a:fld id="{6E115D2A-B720-DA4C-BD7C-758C4A1989AB}" type="datetimeFigureOut">
               <a:rPr kumimoji="1" lang="ko-Kore-KR" altLang="en-US" smtClean="0"/>
-              <a:t>2022. 5. 11.</a:t>
+              <a:t>2022. 5. 14.</a:t>
             </a:fld>
             <a:endParaRPr kumimoji="1" lang="ko-Kore-KR" altLang="en-US"/>
           </a:p>
@@ -1853,7 +1853,7 @@
           <a:p>
             <a:fld id="{6E115D2A-B720-DA4C-BD7C-758C4A1989AB}" type="datetimeFigureOut">
               <a:rPr kumimoji="1" lang="ko-Kore-KR" altLang="en-US" smtClean="0"/>
-              <a:t>2022. 5. 11.</a:t>
+              <a:t>2022. 5. 14.</a:t>
             </a:fld>
             <a:endParaRPr kumimoji="1" lang="ko-Kore-KR" altLang="en-US"/>
           </a:p>
@@ -2268,7 +2268,7 @@
           <a:p>
             <a:fld id="{6E115D2A-B720-DA4C-BD7C-758C4A1989AB}" type="datetimeFigureOut">
               <a:rPr kumimoji="1" lang="ko-Kore-KR" altLang="en-US" smtClean="0"/>
-              <a:t>2022. 5. 11.</a:t>
+              <a:t>2022. 5. 14.</a:t>
             </a:fld>
             <a:endParaRPr kumimoji="1" lang="ko-Kore-KR" altLang="en-US"/>
           </a:p>
@@ -2410,7 +2410,7 @@
           <a:p>
             <a:fld id="{6E115D2A-B720-DA4C-BD7C-758C4A1989AB}" type="datetimeFigureOut">
               <a:rPr kumimoji="1" lang="ko-Kore-KR" altLang="en-US" smtClean="0"/>
-              <a:t>2022. 5. 11.</a:t>
+              <a:t>2022. 5. 14.</a:t>
             </a:fld>
             <a:endParaRPr kumimoji="1" lang="ko-Kore-KR" altLang="en-US"/>
           </a:p>
@@ -2523,7 +2523,7 @@
           <a:p>
             <a:fld id="{6E115D2A-B720-DA4C-BD7C-758C4A1989AB}" type="datetimeFigureOut">
               <a:rPr kumimoji="1" lang="ko-Kore-KR" altLang="en-US" smtClean="0"/>
-              <a:t>2022. 5. 11.</a:t>
+              <a:t>2022. 5. 14.</a:t>
             </a:fld>
             <a:endParaRPr kumimoji="1" lang="ko-Kore-KR" altLang="en-US"/>
           </a:p>
@@ -2836,7 +2836,7 @@
           <a:p>
             <a:fld id="{6E115D2A-B720-DA4C-BD7C-758C4A1989AB}" type="datetimeFigureOut">
               <a:rPr kumimoji="1" lang="ko-Kore-KR" altLang="en-US" smtClean="0"/>
-              <a:t>2022. 5. 11.</a:t>
+              <a:t>2022. 5. 14.</a:t>
             </a:fld>
             <a:endParaRPr kumimoji="1" lang="ko-Kore-KR" altLang="en-US"/>
           </a:p>
@@ -3125,7 +3125,7 @@
           <a:p>
             <a:fld id="{6E115D2A-B720-DA4C-BD7C-758C4A1989AB}" type="datetimeFigureOut">
               <a:rPr kumimoji="1" lang="ko-Kore-KR" altLang="en-US" smtClean="0"/>
-              <a:t>2022. 5. 11.</a:t>
+              <a:t>2022. 5. 14.</a:t>
             </a:fld>
             <a:endParaRPr kumimoji="1" lang="ko-Kore-KR" altLang="en-US"/>
           </a:p>
@@ -3368,7 +3368,7 @@
           <a:p>
             <a:fld id="{6E115D2A-B720-DA4C-BD7C-758C4A1989AB}" type="datetimeFigureOut">
               <a:rPr kumimoji="1" lang="ko-Kore-KR" altLang="en-US" smtClean="0"/>
-              <a:t>2022. 5. 11.</a:t>
+              <a:t>2022. 5. 14.</a:t>
             </a:fld>
             <a:endParaRPr kumimoji="1" lang="ko-Kore-KR" altLang="en-US"/>
           </a:p>
@@ -3800,7 +3800,7 @@
           <p:nvPr>
             <p:extLst>
               <p:ext uri="{D42A27DB-BD31-4B8C-83A1-F6EECF244321}">
-                <p14:modId xmlns:p14="http://schemas.microsoft.com/office/powerpoint/2010/main" val="534303894"/>
+                <p14:modId xmlns:p14="http://schemas.microsoft.com/office/powerpoint/2010/main" val="1510829130"/>
               </p:ext>
             </p:extLst>
           </p:nvPr>
@@ -4590,7 +4590,7 @@
                     <a:p>
                       <a:r>
                         <a:rPr lang="ko-KR" altLang="en-US" sz="1500" dirty="0"/>
-                        <a:t>회원이 상품명을 입력하면 이에 해당하는 상품 리스트</a:t>
+                        <a:t>회원이 상품명을 입력하면 이에 해당하는 상품 정보</a:t>
                       </a:r>
                       <a:r>
                         <a:rPr lang="en-US" altLang="ko-KR" sz="1500" dirty="0"/>
@@ -4598,7 +4598,23 @@
                       </a:r>
                       <a:r>
                         <a:rPr lang="ko-KR" altLang="en-US" sz="1500" dirty="0"/>
-                        <a:t>상품명 및 평균 구매만족도 포함</a:t>
+                        <a:t>판매자</a:t>
+                      </a:r>
+                      <a:r>
+                        <a:rPr lang="en-US" altLang="ko-KR" sz="1500" dirty="0"/>
+                        <a:t>ID, </a:t>
+                      </a:r>
+                      <a:r>
+                        <a:rPr lang="ko-KR" altLang="en-US" sz="1500" dirty="0"/>
+                        <a:t>상품명</a:t>
+                      </a:r>
+                      <a:r>
+                        <a:rPr lang="en-US" altLang="ko-KR" sz="1500" dirty="0"/>
+                        <a:t>,</a:t>
+                      </a:r>
+                      <a:r>
+                        <a:rPr lang="ko-KR" altLang="en-US" sz="1500" dirty="0"/>
+                        <a:t> 가격 등</a:t>
                       </a:r>
                       <a:r>
                         <a:rPr lang="en-US" altLang="ko-KR" sz="1500" dirty="0"/>
@@ -4647,7 +4663,7 @@
                       </a:r>
                       <a:r>
                         <a:rPr lang="ko-KR" altLang="en-US" sz="1500" dirty="0"/>
-                        <a:t> 리스트 검색</a:t>
+                        <a:t> 정보 검색</a:t>
                       </a:r>
                       <a:endParaRPr lang="ko-Kore-KR" altLang="en-US" sz="1500" dirty="0"/>
                     </a:p>
